--- a/TG3_RobertoSánchez.pptx
+++ b/TG3_RobertoSánchez.pptx
@@ -5,11 +5,12 @@
     <p:sldMasterId id="2147483813" r:id="rId1"/>
   </p:sldMasterIdLst>
   <p:notesMasterIdLst>
-    <p:notesMasterId r:id="rId4"/>
+    <p:notesMasterId r:id="rId5"/>
   </p:notesMasterIdLst>
   <p:sldIdLst>
     <p:sldId id="290" r:id="rId2"/>
     <p:sldId id="291" r:id="rId3"/>
+    <p:sldId id="292" r:id="rId4"/>
   </p:sldIdLst>
   <p:sldSz cx="12192000" cy="6858000"/>
   <p:notesSz cx="6858000" cy="9144000"/>
@@ -8225,7 +8226,7 @@
       </p:sp>
       <p:pic>
         <p:nvPicPr>
-          <p:cNvPr id="6" name="Imagen 5"/>
+          <p:cNvPr id="7" name="Imagen 6"/>
           <p:cNvPicPr/>
           <p:nvPr/>
         </p:nvPicPr>
@@ -8244,8 +8245,8 @@
         </p:blipFill>
         <p:spPr bwMode="auto">
           <a:xfrm>
-            <a:off x="1965762" y="599091"/>
-            <a:ext cx="5391150" cy="2867025"/>
+            <a:off x="2713783" y="4132779"/>
+            <a:ext cx="5121680" cy="2416038"/>
           </a:xfrm>
           <a:prstGeom prst="rect">
             <a:avLst/>
@@ -8258,7 +8259,7 @@
       </p:pic>
       <p:pic>
         <p:nvPicPr>
-          <p:cNvPr id="7" name="Imagen 6"/>
+          <p:cNvPr id="8" name="Imagen 7"/>
           <p:cNvPicPr/>
           <p:nvPr/>
         </p:nvPicPr>
@@ -8277,8 +8278,8 @@
         </p:blipFill>
         <p:spPr bwMode="auto">
           <a:xfrm>
-            <a:off x="2713783" y="4132779"/>
-            <a:ext cx="5121680" cy="2416038"/>
+            <a:off x="2828104" y="767816"/>
+            <a:ext cx="4644752" cy="2727271"/>
           </a:xfrm>
           <a:prstGeom prst="rect">
             <a:avLst/>
@@ -8331,7 +8332,7 @@
         </p:nvSpPr>
         <p:spPr>
           <a:xfrm>
-            <a:off x="874483" y="166911"/>
+            <a:off x="874483" y="1302029"/>
             <a:ext cx="10602814" cy="432180"/>
           </a:xfrm>
         </p:spPr>
@@ -8343,11 +8344,11 @@
           <a:p>
             <a:r>
               <a:rPr lang="es-ES" sz="2000" dirty="0"/>
-              <a:t>Criterio 7: </a:t>
+              <a:t>Criterio 6: </a:t>
             </a:r>
             <a:r>
               <a:rPr lang="es-ES" sz="2000" i="1" dirty="0"/>
-              <a:t>Facilidad para localizar las imágenes almacenadas en el repositorio local</a:t>
+              <a:t>Facilidad de instalación de aplicaciones en un contenedor.</a:t>
             </a:r>
             <a:endParaRPr lang="es-ES" sz="2000" dirty="0"/>
           </a:p>
@@ -8363,8 +8364,8 @@
         </p:nvSpPr>
         <p:spPr>
           <a:xfrm>
-            <a:off x="1284387" y="3663813"/>
-            <a:ext cx="8911687" cy="468966"/>
+            <a:off x="874483" y="2402572"/>
+            <a:ext cx="10602814" cy="468966"/>
           </a:xfrm>
           <a:prstGeom prst="rect">
             <a:avLst/>
@@ -8372,7 +8373,7 @@
         </p:spPr>
         <p:txBody>
           <a:bodyPr vert="horz" lIns="91440" tIns="45720" rIns="91440" bIns="45720" rtlCol="0" anchor="t">
-            <a:normAutofit fontScale="97500"/>
+            <a:noAutofit/>
           </a:bodyPr>
           <a:lstStyle>
             <a:lvl1pPr algn="l" defTabSz="457200" rtl="0" eaLnBrk="1" latinLnBrk="0" hangingPunct="1">
@@ -8452,11 +8453,11 @@
           <a:p>
             <a:r>
               <a:rPr lang="es-ES" sz="2000" dirty="0"/>
-              <a:t>Criterio 10: </a:t>
+              <a:t>Criterio 7: </a:t>
             </a:r>
             <a:r>
               <a:rPr lang="es-ES" sz="2000" i="1" dirty="0"/>
-              <a:t>Facilidad para borrar una imagen</a:t>
+              <a:t>Facilidad para localizar las imágenes almacenadas en el repositorio local</a:t>
             </a:r>
             <a:endParaRPr lang="es-ES" sz="2000" dirty="0"/>
           </a:p>
@@ -8464,7 +8465,7 @@
       </p:sp>
       <p:pic>
         <p:nvPicPr>
-          <p:cNvPr id="8" name="Imagen 7"/>
+          <p:cNvPr id="6" name="Imagen 5"/>
           <p:cNvPicPr/>
           <p:nvPr/>
         </p:nvPicPr>
@@ -8483,41 +8484,8 @@
         </p:blipFill>
         <p:spPr bwMode="auto">
           <a:xfrm>
-            <a:off x="2579048" y="562305"/>
-            <a:ext cx="5391150" cy="2867025"/>
-          </a:xfrm>
-          <a:prstGeom prst="rect">
-            <a:avLst/>
-          </a:prstGeom>
-          <a:noFill/>
-          <a:ln>
-            <a:noFill/>
-          </a:ln>
-        </p:spPr>
-      </p:pic>
-      <p:pic>
-        <p:nvPicPr>
-          <p:cNvPr id="9" name="Imagen 8"/>
-          <p:cNvPicPr/>
-          <p:nvPr/>
-        </p:nvPicPr>
-        <p:blipFill>
-          <a:blip r:embed="rId3">
-            <a:extLst>
-              <a:ext uri="{28A0092B-C50C-407E-A947-70E740481C1C}">
-                <a14:useLocalDpi xmlns:a14="http://schemas.microsoft.com/office/drawing/2010/main" val="0"/>
-              </a:ext>
-            </a:extLst>
-          </a:blip>
-          <a:srcRect/>
-          <a:stretch>
-            <a:fillRect/>
-          </a:stretch>
-        </p:blipFill>
-        <p:spPr bwMode="auto">
-          <a:xfrm>
-            <a:off x="2579048" y="4632106"/>
-            <a:ext cx="5391150" cy="1314450"/>
+            <a:off x="2594813" y="3269590"/>
+            <a:ext cx="5366773" cy="2874578"/>
           </a:xfrm>
           <a:prstGeom prst="rect">
             <a:avLst/>
@@ -8532,6 +8500,178 @@
     <p:extLst>
       <p:ext uri="{BB962C8B-B14F-4D97-AF65-F5344CB8AC3E}">
         <p14:creationId xmlns:p14="http://schemas.microsoft.com/office/powerpoint/2010/main" val="4133207344"/>
+      </p:ext>
+    </p:extLst>
+  </p:cSld>
+  <p:clrMapOvr>
+    <a:masterClrMapping/>
+  </p:clrMapOvr>
+</p:sld>
+</file>
+
+<file path=ppt/slides/slide3.xml><?xml version="1.0" encoding="utf-8"?>
+<p:sld xmlns:a="http://schemas.openxmlformats.org/drawingml/2006/main" xmlns:r="http://schemas.openxmlformats.org/officeDocument/2006/relationships" xmlns:p="http://schemas.openxmlformats.org/presentationml/2006/main">
+  <p:cSld>
+    <p:spTree>
+      <p:nvGrpSpPr>
+        <p:cNvPr id="1" name=""/>
+        <p:cNvGrpSpPr/>
+        <p:nvPr/>
+      </p:nvGrpSpPr>
+      <p:grpSpPr>
+        <a:xfrm>
+          <a:off x="0" y="0"/>
+          <a:ext cx="0" cy="0"/>
+          <a:chOff x="0" y="0"/>
+          <a:chExt cx="0" cy="0"/>
+        </a:xfrm>
+      </p:grpSpPr>
+      <p:sp>
+        <p:nvSpPr>
+          <p:cNvPr id="5" name="Título 3"/>
+          <p:cNvSpPr txBox="1">
+            <a:spLocks/>
+          </p:cNvSpPr>
+          <p:nvPr/>
+        </p:nvSpPr>
+        <p:spPr>
+          <a:xfrm>
+            <a:off x="1646994" y="1030072"/>
+            <a:ext cx="8911687" cy="468966"/>
+          </a:xfrm>
+          <a:prstGeom prst="rect">
+            <a:avLst/>
+          </a:prstGeom>
+        </p:spPr>
+        <p:txBody>
+          <a:bodyPr vert="horz" lIns="91440" tIns="45720" rIns="91440" bIns="45720" rtlCol="0" anchor="t">
+            <a:normAutofit fontScale="97500"/>
+          </a:bodyPr>
+          <a:lstStyle>
+            <a:lvl1pPr algn="l" defTabSz="457200" rtl="0" eaLnBrk="1" latinLnBrk="0" hangingPunct="1">
+              <a:spcBef>
+                <a:spcPct val="0"/>
+              </a:spcBef>
+              <a:buNone/>
+              <a:defRPr sz="3600" kern="1200">
+                <a:solidFill>
+                  <a:schemeClr val="tx1">
+                    <a:lumMod val="85000"/>
+                    <a:lumOff val="15000"/>
+                  </a:schemeClr>
+                </a:solidFill>
+                <a:latin typeface="+mj-lt"/>
+                <a:ea typeface="+mj-ea"/>
+                <a:cs typeface="+mj-cs"/>
+              </a:defRPr>
+            </a:lvl1pPr>
+            <a:lvl2pPr eaLnBrk="1" hangingPunct="1">
+              <a:defRPr>
+                <a:solidFill>
+                  <a:schemeClr val="tx2"/>
+                </a:solidFill>
+              </a:defRPr>
+            </a:lvl2pPr>
+            <a:lvl3pPr eaLnBrk="1" hangingPunct="1">
+              <a:defRPr>
+                <a:solidFill>
+                  <a:schemeClr val="tx2"/>
+                </a:solidFill>
+              </a:defRPr>
+            </a:lvl3pPr>
+            <a:lvl4pPr eaLnBrk="1" hangingPunct="1">
+              <a:defRPr>
+                <a:solidFill>
+                  <a:schemeClr val="tx2"/>
+                </a:solidFill>
+              </a:defRPr>
+            </a:lvl4pPr>
+            <a:lvl5pPr eaLnBrk="1" hangingPunct="1">
+              <a:defRPr>
+                <a:solidFill>
+                  <a:schemeClr val="tx2"/>
+                </a:solidFill>
+              </a:defRPr>
+            </a:lvl5pPr>
+            <a:lvl6pPr eaLnBrk="1" hangingPunct="1">
+              <a:defRPr>
+                <a:solidFill>
+                  <a:schemeClr val="tx2"/>
+                </a:solidFill>
+              </a:defRPr>
+            </a:lvl6pPr>
+            <a:lvl7pPr eaLnBrk="1" hangingPunct="1">
+              <a:defRPr>
+                <a:solidFill>
+                  <a:schemeClr val="tx2"/>
+                </a:solidFill>
+              </a:defRPr>
+            </a:lvl7pPr>
+            <a:lvl8pPr eaLnBrk="1" hangingPunct="1">
+              <a:defRPr>
+                <a:solidFill>
+                  <a:schemeClr val="tx2"/>
+                </a:solidFill>
+              </a:defRPr>
+            </a:lvl8pPr>
+            <a:lvl9pPr eaLnBrk="1" hangingPunct="1">
+              <a:defRPr>
+                <a:solidFill>
+                  <a:schemeClr val="tx2"/>
+                </a:solidFill>
+              </a:defRPr>
+            </a:lvl9pPr>
+          </a:lstStyle>
+          <a:p>
+            <a:r>
+              <a:rPr lang="es-ES" sz="2000" dirty="0"/>
+              <a:t>Criterio 10: </a:t>
+            </a:r>
+            <a:r>
+              <a:rPr lang="es-ES" sz="2000" i="1" dirty="0"/>
+              <a:t>Facilidad para borrar una imagen</a:t>
+            </a:r>
+            <a:endParaRPr lang="es-ES" sz="2000" dirty="0"/>
+          </a:p>
+        </p:txBody>
+      </p:sp>
+      <p:pic>
+        <p:nvPicPr>
+          <p:cNvPr id="7" name="Imagen 6"/>
+          <p:cNvPicPr/>
+          <p:nvPr/>
+        </p:nvPicPr>
+        <p:blipFill>
+          <a:blip r:embed="rId2">
+            <a:extLst>
+              <a:ext uri="{28A0092B-C50C-407E-A947-70E740481C1C}">
+                <a14:useLocalDpi xmlns:a14="http://schemas.microsoft.com/office/drawing/2010/main" val="0"/>
+              </a:ext>
+            </a:extLst>
+          </a:blip>
+          <a:srcRect/>
+          <a:stretch>
+            <a:fillRect/>
+          </a:stretch>
+        </p:blipFill>
+        <p:spPr bwMode="auto">
+          <a:xfrm>
+            <a:off x="2154948" y="1873141"/>
+            <a:ext cx="5948527" cy="2352018"/>
+          </a:xfrm>
+          <a:prstGeom prst="rect">
+            <a:avLst/>
+          </a:prstGeom>
+          <a:noFill/>
+          <a:ln>
+            <a:noFill/>
+          </a:ln>
+        </p:spPr>
+      </p:pic>
+    </p:spTree>
+    <p:extLst>
+      <p:ext uri="{BB962C8B-B14F-4D97-AF65-F5344CB8AC3E}">
+        <p14:creationId xmlns:p14="http://schemas.microsoft.com/office/powerpoint/2010/main" val="679201106"/>
       </p:ext>
     </p:extLst>
   </p:cSld>
